--- a/2021 01주 졸업작품 강의소개.pptx
+++ b/2021 01주 졸업작품 강의소개.pptx
@@ -46711,11 +46711,7 @@
             <a:pPr lvl="2"/>
             <a:r>
               <a:rPr lang="en-US" altLang="ko-KR" dirty="0" smtClean="0"/>
-              <a:t>~ </a:t>
-            </a:r>
-            <a:r>
-              <a:rPr lang="en-US" altLang="ko-KR" dirty="0" smtClean="0"/>
-              <a:t>12</a:t>
+              <a:t>~ 12</a:t>
             </a:r>
             <a:r>
               <a:rPr lang="ko-KR" altLang="en-US" dirty="0" smtClean="0"/>
@@ -46863,6 +46859,37 @@
           <a:p>
             <a:r>
               <a:rPr lang="en-US" altLang="ko-KR" dirty="0" smtClean="0"/>
+              <a:t>1</a:t>
+            </a:r>
+            <a:r>
+              <a:rPr lang="ko-KR" altLang="en-US" dirty="0" smtClean="0"/>
+              <a:t>주차 수업</a:t>
+            </a:r>
+            <a:endParaRPr lang="en-US" altLang="ko-KR" dirty="0" smtClean="0"/>
+          </a:p>
+          <a:p>
+            <a:pPr lvl="1"/>
+            <a:r>
+              <a:rPr lang="ko-KR" altLang="en-US" dirty="0" smtClean="0"/>
+              <a:t>동영상 수업</a:t>
+            </a:r>
+            <a:endParaRPr lang="en-US" altLang="ko-KR" dirty="0" smtClean="0"/>
+          </a:p>
+          <a:p>
+            <a:r>
+              <a:rPr lang="en-US" altLang="ko-KR" dirty="0" smtClean="0"/>
+              <a:t>2</a:t>
+            </a:r>
+            <a:r>
+              <a:rPr lang="ko-KR" altLang="en-US" dirty="0" smtClean="0"/>
+              <a:t>주차 수업</a:t>
+            </a:r>
+            <a:endParaRPr lang="en-US" altLang="ko-KR" dirty="0" smtClean="0"/>
+          </a:p>
+          <a:p>
+            <a:pPr lvl="1"/>
+            <a:r>
+              <a:rPr lang="en-US" altLang="ko-KR" dirty="0" smtClean="0"/>
               <a:t>9</a:t>
             </a:r>
             <a:r>
@@ -46871,11 +46898,15 @@
             </a:r>
             <a:r>
               <a:rPr lang="en-US" altLang="ko-KR" dirty="0" smtClean="0"/>
-              <a:t>7</a:t>
+              <a:t>14</a:t>
             </a:r>
             <a:r>
               <a:rPr lang="ko-KR" altLang="en-US" dirty="0" smtClean="0"/>
-              <a:t>일 오후 </a:t>
+              <a:t>일 </a:t>
+            </a:r>
+            <a:r>
+              <a:rPr lang="ko-KR" altLang="en-US" dirty="0" smtClean="0"/>
+              <a:t>오후 </a:t>
             </a:r>
             <a:r>
               <a:rPr lang="en-US" altLang="ko-KR" dirty="0" smtClean="0"/>
@@ -46896,7 +46927,7 @@
             <a:endParaRPr lang="en-US" altLang="ko-KR" dirty="0" smtClean="0"/>
           </a:p>
           <a:p>
-            <a:pPr lvl="1"/>
+            <a:pPr lvl="2"/>
             <a:r>
               <a:rPr lang="ko-KR" altLang="en-US" dirty="0" smtClean="0"/>
               <a:t>방학 중 개발 경과 발표</a:t>
@@ -46922,11 +46953,15 @@
           <a:p>
             <a:r>
               <a:rPr lang="en-US" altLang="ko-KR" dirty="0" smtClean="0"/>
-              <a:t>1</a:t>
+              <a:t>1, 2</a:t>
             </a:r>
             <a:r>
               <a:rPr lang="ko-KR" altLang="en-US" dirty="0" smtClean="0"/>
-              <a:t>주차 수업</a:t>
+              <a:t>주차 </a:t>
+            </a:r>
+            <a:r>
+              <a:rPr lang="ko-KR" altLang="en-US" dirty="0" smtClean="0"/>
+              <a:t>수업</a:t>
             </a:r>
             <a:endParaRPr lang="ko-KR" altLang="en-US" dirty="0"/>
           </a:p>
